--- a/lectures/ProgrammingLanguageC.pptx
+++ b/lectures/ProgrammingLanguageC.pptx
@@ -32,7 +32,7 @@
       <p:boldItalic r:id="rId15"/>
     </p:embeddedFont>
     <p:embeddedFont>
-      <p:font typeface="Nunito Sans" panose="020B0604020202020204" charset="0"/>
+      <p:font typeface="Nunito Sans" pitchFamily="2" charset="0"/>
       <p:regular r:id="rId16"/>
       <p:bold r:id="rId17"/>
       <p:italic r:id="rId18"/>
@@ -274,6 +274,59 @@
     </p:ext>
   </p:extLst>
 </p:presentation>
+</file>
+
+<file path=ppt/revisionInfo.xml><?xml version="1.0" encoding="utf-8"?>
+<p1510:revInfo xmlns:a="http://schemas.openxmlformats.org/drawingml/2006/main" xmlns:r="http://schemas.openxmlformats.org/officeDocument/2006/relationships" xmlns:p1510="http://schemas.microsoft.com/office/powerpoint/2015/10/main">
+  <p1510:revLst>
+    <p1510:client id="{FE4D5D4A-A7A2-40A0-BF13-CE613DF155B9}" v="1" dt="2022-07-28T16:27:55.933"/>
+  </p1510:revLst>
+</p1510:revInfo>
+</file>
+
+<file path=ppt/changesInfos/changesInfo1.xml><?xml version="1.0" encoding="utf-8"?>
+<pc:chgInfo xmlns:a="http://schemas.openxmlformats.org/drawingml/2006/main" xmlns:r="http://schemas.openxmlformats.org/officeDocument/2006/relationships" xmlns:ac="http://schemas.microsoft.com/office/drawing/2013/main/command" xmlns:pc="http://schemas.microsoft.com/office/powerpoint/2013/main/command">
+  <pc:docChgLst>
+    <pc:chgData name="Jan Schaffranek" userId="185de13651d64d23" providerId="LiveId" clId="{FE4D5D4A-A7A2-40A0-BF13-CE613DF155B9}"/>
+    <pc:docChg chg="custSel modSld">
+      <pc:chgData name="Jan Schaffranek" userId="185de13651d64d23" providerId="LiveId" clId="{FE4D5D4A-A7A2-40A0-BF13-CE613DF155B9}" dt="2022-07-28T16:27:57.772" v="3" actId="1076"/>
+      <pc:docMkLst>
+        <pc:docMk/>
+      </pc:docMkLst>
+      <pc:sldChg chg="addSp delSp modSp mod">
+        <pc:chgData name="Jan Schaffranek" userId="185de13651d64d23" providerId="LiveId" clId="{FE4D5D4A-A7A2-40A0-BF13-CE613DF155B9}" dt="2022-07-28T16:27:57.772" v="3" actId="1076"/>
+        <pc:sldMkLst>
+          <pc:docMk/>
+          <pc:sldMk cId="2234796578" sldId="277"/>
+        </pc:sldMkLst>
+        <pc:spChg chg="del">
+          <ac:chgData name="Jan Schaffranek" userId="185de13651d64d23" providerId="LiveId" clId="{FE4D5D4A-A7A2-40A0-BF13-CE613DF155B9}" dt="2022-07-28T16:27:38.141" v="1" actId="478"/>
+          <ac:spMkLst>
+            <pc:docMk/>
+            <pc:sldMk cId="2234796578" sldId="277"/>
+            <ac:spMk id="10" creationId="{BD2F0CFC-74CA-467D-85A7-6D9879B27282}"/>
+          </ac:spMkLst>
+        </pc:spChg>
+        <pc:picChg chg="add mod">
+          <ac:chgData name="Jan Schaffranek" userId="185de13651d64d23" providerId="LiveId" clId="{FE4D5D4A-A7A2-40A0-BF13-CE613DF155B9}" dt="2022-07-28T16:27:57.772" v="3" actId="1076"/>
+          <ac:picMkLst>
+            <pc:docMk/>
+            <pc:sldMk cId="2234796578" sldId="277"/>
+            <ac:picMk id="6" creationId="{7483E08D-C8FD-0967-DDE5-D2FB89E0C501}"/>
+          </ac:picMkLst>
+        </pc:picChg>
+        <pc:picChg chg="del">
+          <ac:chgData name="Jan Schaffranek" userId="185de13651d64d23" providerId="LiveId" clId="{FE4D5D4A-A7A2-40A0-BF13-CE613DF155B9}" dt="2022-07-28T16:27:36.181" v="0" actId="478"/>
+          <ac:picMkLst>
+            <pc:docMk/>
+            <pc:sldMk cId="2234796578" sldId="277"/>
+            <ac:picMk id="7" creationId="{D5B0240E-1129-42B5-AC93-3942F83B5B14}"/>
+          </ac:picMkLst>
+        </pc:picChg>
+      </pc:sldChg>
+    </pc:docChg>
+  </pc:docChgLst>
+</pc:chgInfo>
 </file>
 
 <file path=ppt/notesMasters/notesMaster1.xml><?xml version="1.0" encoding="utf-8"?>
@@ -5290,10 +5343,10 @@
       </p:sp>
       <p:pic>
         <p:nvPicPr>
-          <p:cNvPr id="7" name="Grafik 6">
+          <p:cNvPr id="6" name="Grafik 5">
             <a:extLst>
               <a:ext uri="{FF2B5EF4-FFF2-40B4-BE49-F238E27FC236}">
-                <a16:creationId xmlns:a16="http://schemas.microsoft.com/office/drawing/2014/main" id="{D5B0240E-1129-42B5-AC93-3942F83B5B14}"/>
+                <a16:creationId xmlns:a16="http://schemas.microsoft.com/office/drawing/2014/main" id="{7483E08D-C8FD-0967-DDE5-D2FB89E0C501}"/>
               </a:ext>
             </a:extLst>
           </p:cNvPr>
@@ -5310,49 +5363,14 @@
         </p:blipFill>
         <p:spPr>
           <a:xfrm>
-            <a:off x="3248242" y="647393"/>
-            <a:ext cx="4227260" cy="3837214"/>
+            <a:off x="3391855" y="112948"/>
+            <a:ext cx="4379855" cy="4833703"/>
           </a:xfrm>
           <a:prstGeom prst="rect">
             <a:avLst/>
           </a:prstGeom>
         </p:spPr>
       </p:pic>
-      <p:sp>
-        <p:nvSpPr>
-          <p:cNvPr id="10" name="Textfeld 9">
-            <a:extLst>
-              <a:ext uri="{FF2B5EF4-FFF2-40B4-BE49-F238E27FC236}">
-                <a16:creationId xmlns:a16="http://schemas.microsoft.com/office/drawing/2014/main" id="{BD2F0CFC-74CA-467D-85A7-6D9879B27282}"/>
-              </a:ext>
-            </a:extLst>
-          </p:cNvPr>
-          <p:cNvSpPr txBox="1"/>
-          <p:nvPr/>
-        </p:nvSpPr>
-        <p:spPr>
-          <a:xfrm>
-            <a:off x="2808514" y="4754876"/>
-            <a:ext cx="3712866" cy="400110"/>
-          </a:xfrm>
-          <a:prstGeom prst="rect">
-            <a:avLst/>
-          </a:prstGeom>
-          <a:noFill/>
-        </p:spPr>
-        <p:txBody>
-          <a:bodyPr wrap="square" rtlCol="0">
-            <a:spAutoFit/>
-          </a:bodyPr>
-          <a:lstStyle/>
-          <a:p>
-            <a:r>
-              <a:rPr lang="de-DE" sz="1000" dirty="0"/>
-              <a:t>Quelle: https://www.statista.com/statistics/793628/worldwide-developer-survey-most-used-languages/ </a:t>
-            </a:r>
-          </a:p>
-        </p:txBody>
-      </p:sp>
     </p:spTree>
     <p:extLst>
       <p:ext uri="{BB962C8B-B14F-4D97-AF65-F5344CB8AC3E}">
